--- a/Project - Team 2- Data Mining (3).pptx
+++ b/Project - Team 2- Data Mining (3).pptx
@@ -7058,8 +7058,8 @@
             </a:lnSpc>
           </a:pPr>
           <a:r>
-            <a:rPr lang="en-US"/>
-            <a:t>Reject Ho in housing price and house sale number test</a:t>
+            <a:rPr lang="en-US" dirty="0"/>
+            <a:t>Reject Ho in housing price and house sales volume  test</a:t>
           </a:r>
         </a:p>
       </dgm:t>
@@ -10454,8 +10454,8 @@
             <a:buNone/>
           </a:pPr>
           <a:r>
-            <a:rPr lang="en-US" sz="2000" kern="1200"/>
-            <a:t>Reject Ho in housing price and house sale number test</a:t>
+            <a:rPr lang="en-US" sz="2000" kern="1200" dirty="0"/>
+            <a:t>Reject Ho in housing price and house sales volume  test</a:t>
           </a:r>
         </a:p>
       </dsp:txBody>
@@ -19199,7 +19199,7 @@
           <a:p>
             <a:fld id="{846CE7D5-CF57-46EF-B807-FDD0502418D4}" type="datetimeFigureOut">
               <a:rPr lang="en-US" smtClean="0"/>
-              <a:t>4/24/2023</a:t>
+              <a:t>4/25/2023</a:t>
             </a:fld>
             <a:endParaRPr lang="en-US"/>
           </a:p>
@@ -19367,7 +19367,7 @@
           <a:p>
             <a:fld id="{846CE7D5-CF57-46EF-B807-FDD0502418D4}" type="datetimeFigureOut">
               <a:rPr lang="en-US" smtClean="0"/>
-              <a:t>4/24/2023</a:t>
+              <a:t>4/25/2023</a:t>
             </a:fld>
             <a:endParaRPr lang="en-US"/>
           </a:p>
@@ -19545,7 +19545,7 @@
           <a:p>
             <a:fld id="{846CE7D5-CF57-46EF-B807-FDD0502418D4}" type="datetimeFigureOut">
               <a:rPr lang="en-US" smtClean="0"/>
-              <a:t>4/24/2023</a:t>
+              <a:t>4/25/2023</a:t>
             </a:fld>
             <a:endParaRPr lang="en-US"/>
           </a:p>
@@ -19753,7 +19753,7 @@
           <a:p>
             <a:fld id="{7E1FE81C-1244-4E0A-BBA5-54DD0B655DFC}" type="datetimeFigureOut">
               <a:rPr lang="en-US" smtClean="0"/>
-              <a:t>4/24/2023</a:t>
+              <a:t>4/25/2023</a:t>
             </a:fld>
             <a:endParaRPr lang="en-US"/>
           </a:p>
@@ -19951,7 +19951,7 @@
           <a:p>
             <a:fld id="{7E1FE81C-1244-4E0A-BBA5-54DD0B655DFC}" type="datetimeFigureOut">
               <a:rPr lang="en-US" smtClean="0"/>
-              <a:t>4/24/2023</a:t>
+              <a:t>4/25/2023</a:t>
             </a:fld>
             <a:endParaRPr lang="en-US"/>
           </a:p>
@@ -20226,7 +20226,7 @@
           <a:p>
             <a:fld id="{7E1FE81C-1244-4E0A-BBA5-54DD0B655DFC}" type="datetimeFigureOut">
               <a:rPr lang="en-US" smtClean="0"/>
-              <a:t>4/24/2023</a:t>
+              <a:t>4/25/2023</a:t>
             </a:fld>
             <a:endParaRPr lang="en-US"/>
           </a:p>
@@ -20491,7 +20491,7 @@
           <a:p>
             <a:fld id="{7E1FE81C-1244-4E0A-BBA5-54DD0B655DFC}" type="datetimeFigureOut">
               <a:rPr lang="en-US" smtClean="0"/>
-              <a:t>4/24/2023</a:t>
+              <a:t>4/25/2023</a:t>
             </a:fld>
             <a:endParaRPr lang="en-US"/>
           </a:p>
@@ -20903,7 +20903,7 @@
           <a:p>
             <a:fld id="{7E1FE81C-1244-4E0A-BBA5-54DD0B655DFC}" type="datetimeFigureOut">
               <a:rPr lang="en-US" smtClean="0"/>
-              <a:t>4/24/2023</a:t>
+              <a:t>4/25/2023</a:t>
             </a:fld>
             <a:endParaRPr lang="en-US"/>
           </a:p>
@@ -21044,7 +21044,7 @@
           <a:p>
             <a:fld id="{7E1FE81C-1244-4E0A-BBA5-54DD0B655DFC}" type="datetimeFigureOut">
               <a:rPr lang="en-US" smtClean="0"/>
-              <a:t>4/24/2023</a:t>
+              <a:t>4/25/2023</a:t>
             </a:fld>
             <a:endParaRPr lang="en-US"/>
           </a:p>
@@ -21157,7 +21157,7 @@
           <a:p>
             <a:fld id="{7E1FE81C-1244-4E0A-BBA5-54DD0B655DFC}" type="datetimeFigureOut">
               <a:rPr lang="en-US" smtClean="0"/>
-              <a:t>4/24/2023</a:t>
+              <a:t>4/25/2023</a:t>
             </a:fld>
             <a:endParaRPr lang="en-US"/>
           </a:p>
@@ -21468,7 +21468,7 @@
           <a:p>
             <a:fld id="{7E1FE81C-1244-4E0A-BBA5-54DD0B655DFC}" type="datetimeFigureOut">
               <a:rPr lang="en-US" smtClean="0"/>
-              <a:t>4/24/2023</a:t>
+              <a:t>4/25/2023</a:t>
             </a:fld>
             <a:endParaRPr lang="en-US"/>
           </a:p>
@@ -21648,7 +21648,7 @@
           <a:p>
             <a:fld id="{846CE7D5-CF57-46EF-B807-FDD0502418D4}" type="datetimeFigureOut">
               <a:rPr lang="en-US" smtClean="0"/>
-              <a:t>4/24/2023</a:t>
+              <a:t>4/25/2023</a:t>
             </a:fld>
             <a:endParaRPr lang="en-US"/>
           </a:p>
@@ -21924,7 +21924,7 @@
           <a:p>
             <a:fld id="{7E1FE81C-1244-4E0A-BBA5-54DD0B655DFC}" type="datetimeFigureOut">
               <a:rPr lang="en-US" smtClean="0"/>
-              <a:t>4/24/2023</a:t>
+              <a:t>4/25/2023</a:t>
             </a:fld>
             <a:endParaRPr lang="en-US"/>
           </a:p>
@@ -22122,7 +22122,7 @@
           <a:p>
             <a:fld id="{7E1FE81C-1244-4E0A-BBA5-54DD0B655DFC}" type="datetimeFigureOut">
               <a:rPr lang="en-US" smtClean="0"/>
-              <a:t>4/24/2023</a:t>
+              <a:t>4/25/2023</a:t>
             </a:fld>
             <a:endParaRPr lang="en-US"/>
           </a:p>
@@ -22330,7 +22330,7 @@
           <a:p>
             <a:fld id="{7E1FE81C-1244-4E0A-BBA5-54DD0B655DFC}" type="datetimeFigureOut">
               <a:rPr lang="en-US" smtClean="0"/>
-              <a:t>4/24/2023</a:t>
+              <a:t>4/25/2023</a:t>
             </a:fld>
             <a:endParaRPr lang="en-US"/>
           </a:p>
@@ -22587,7 +22587,7 @@
           <a:p>
             <a:fld id="{846CE7D5-CF57-46EF-B807-FDD0502418D4}" type="datetimeFigureOut">
               <a:rPr lang="en-US" smtClean="0"/>
-              <a:t>4/24/2023</a:t>
+              <a:t>4/25/2023</a:t>
             </a:fld>
             <a:endParaRPr lang="en-US"/>
           </a:p>
@@ -22816,7 +22816,7 @@
           <a:p>
             <a:fld id="{846CE7D5-CF57-46EF-B807-FDD0502418D4}" type="datetimeFigureOut">
               <a:rPr lang="en-US" smtClean="0"/>
-              <a:t>4/24/2023</a:t>
+              <a:t>4/25/2023</a:t>
             </a:fld>
             <a:endParaRPr lang="en-US"/>
           </a:p>
@@ -23180,7 +23180,7 @@
           <a:p>
             <a:fld id="{846CE7D5-CF57-46EF-B807-FDD0502418D4}" type="datetimeFigureOut">
               <a:rPr lang="en-US" smtClean="0"/>
-              <a:t>4/24/2023</a:t>
+              <a:t>4/25/2023</a:t>
             </a:fld>
             <a:endParaRPr lang="en-US"/>
           </a:p>
@@ -23297,7 +23297,7 @@
           <a:p>
             <a:fld id="{846CE7D5-CF57-46EF-B807-FDD0502418D4}" type="datetimeFigureOut">
               <a:rPr lang="en-US" smtClean="0"/>
-              <a:t>4/24/2023</a:t>
+              <a:t>4/25/2023</a:t>
             </a:fld>
             <a:endParaRPr lang="en-US"/>
           </a:p>
@@ -23392,7 +23392,7 @@
           <a:p>
             <a:fld id="{846CE7D5-CF57-46EF-B807-FDD0502418D4}" type="datetimeFigureOut">
               <a:rPr lang="en-US" smtClean="0"/>
-              <a:t>4/24/2023</a:t>
+              <a:t>4/25/2023</a:t>
             </a:fld>
             <a:endParaRPr lang="en-US"/>
           </a:p>
@@ -23667,7 +23667,7 @@
           <a:p>
             <a:fld id="{846CE7D5-CF57-46EF-B807-FDD0502418D4}" type="datetimeFigureOut">
               <a:rPr lang="en-US" smtClean="0"/>
-              <a:t>4/24/2023</a:t>
+              <a:t>4/25/2023</a:t>
             </a:fld>
             <a:endParaRPr lang="en-US"/>
           </a:p>
@@ -23922,7 +23922,7 @@
           <a:p>
             <a:fld id="{846CE7D5-CF57-46EF-B807-FDD0502418D4}" type="datetimeFigureOut">
               <a:rPr lang="en-US" smtClean="0"/>
-              <a:t>4/24/2023</a:t>
+              <a:t>4/25/2023</a:t>
             </a:fld>
             <a:endParaRPr lang="en-US"/>
           </a:p>
@@ -24133,7 +24133,7 @@
           <a:p>
             <a:fld id="{846CE7D5-CF57-46EF-B807-FDD0502418D4}" type="datetimeFigureOut">
               <a:rPr lang="en-US" smtClean="0"/>
-              <a:t>4/24/2023</a:t>
+              <a:t>4/25/2023</a:t>
             </a:fld>
             <a:endParaRPr lang="en-US"/>
           </a:p>
@@ -24689,7 +24689,7 @@
           <a:p>
             <a:fld id="{7E1FE81C-1244-4E0A-BBA5-54DD0B655DFC}" type="datetimeFigureOut">
               <a:rPr lang="en-US" smtClean="0"/>
-              <a:t>4/24/2023</a:t>
+              <a:t>4/25/2023</a:t>
             </a:fld>
             <a:endParaRPr lang="en-US"/>
           </a:p>
@@ -25253,7 +25253,7 @@
             </a:r>
           </a:p>
           <a:p>
-            <a:endParaRPr lang="en-US">
+            <a:endParaRPr lang="en-US" dirty="0">
               <a:solidFill>
                 <a:srgbClr val="FFFFFF"/>
               </a:solidFill>
@@ -26548,7 +26548,7 @@
               </a:rPr>
               <a:t>Annual Property Sales Comparison with and without Price</a:t>
             </a:r>
-            <a:endParaRPr lang="en-US" sz="3600" kern="1200">
+            <a:endParaRPr lang="en-US" sz="3600" kern="1200" dirty="0">
               <a:solidFill>
                 <a:srgbClr val="FFFFFF"/>
               </a:solidFill>
@@ -26557,7 +26557,7 @@
             </a:endParaRPr>
           </a:p>
           <a:p>
-            <a:endParaRPr lang="en-US" sz="2200" kern="1200">
+            <a:endParaRPr lang="en-US" sz="2200" kern="1200" dirty="0">
               <a:solidFill>
                 <a:srgbClr val="FFFFFF"/>
               </a:solidFill>
@@ -27060,7 +27060,7 @@
           <a:lstStyle/>
           <a:p>
             <a:r>
-              <a:rPr lang="en-US" sz="3700" kern="1200">
+              <a:rPr lang="en-US" sz="3700" kern="1200" dirty="0">
                 <a:solidFill>
                   <a:srgbClr val="FFFFFF"/>
                 </a:solidFill>
@@ -35754,9 +35754,8 @@
           </a:bodyPr>
           <a:lstStyle/>
           <a:p>
-            <a:pPr algn="r"/>
             <a:r>
-              <a:rPr lang="en-US" sz="1700" b="0">
+              <a:rPr lang="en-US" sz="1700" b="0" dirty="0">
                 <a:effectLst/>
                 <a:latin typeface="Consolas" panose="020B0609020204030204" pitchFamily="49" charset="0"/>
               </a:rPr>
@@ -35764,25 +35763,32 @@
             </a:r>
           </a:p>
           <a:p>
-            <a:pPr marL="457200" algn="r">
+            <a:pPr marL="457200">
               <a:buFont typeface="Courier New" panose="02070309020205020404" pitchFamily="49" charset="0"/>
               <a:buChar char="o"/>
             </a:pPr>
             <a:r>
-              <a:rPr lang="en-US" sz="1700" b="0">
+              <a:rPr lang="en-US" sz="1700" b="0" dirty="0" err="1">
                 <a:effectLst/>
                 <a:latin typeface="Consolas" panose="020B0609020204030204" pitchFamily="49" charset="0"/>
               </a:rPr>
-              <a:t>ExAnte period: 2019-01-01~2020-02-29</a:t>
+              <a:t>ExAnte</a:t>
+            </a:r>
+            <a:r>
+              <a:rPr lang="en-US" sz="1700" b="0" dirty="0">
+                <a:effectLst/>
+                <a:latin typeface="Consolas" panose="020B0609020204030204" pitchFamily="49" charset="0"/>
+              </a:rPr>
+              <a:t> period: 2019-01-01~2020-02-29</a:t>
             </a:r>
           </a:p>
           <a:p>
-            <a:pPr marL="457200" algn="r">
+            <a:pPr marL="457200">
               <a:buFont typeface="Courier New" panose="02070309020205020404" pitchFamily="49" charset="0"/>
               <a:buChar char="o"/>
             </a:pPr>
             <a:r>
-              <a:rPr lang="en-US" sz="1700" b="0">
+              <a:rPr lang="en-US" sz="1700" b="0" dirty="0">
                 <a:effectLst/>
                 <a:latin typeface="Consolas" panose="020B0609020204030204" pitchFamily="49" charset="0"/>
               </a:rPr>
@@ -35790,39 +35796,43 @@
             </a:r>
           </a:p>
           <a:p>
-            <a:pPr marL="457200" algn="r">
+            <a:pPr marL="457200">
               <a:buFont typeface="Courier New" panose="02070309020205020404" pitchFamily="49" charset="0"/>
               <a:buChar char="o"/>
             </a:pPr>
             <a:r>
-              <a:rPr lang="en-US" sz="1700" b="0">
+              <a:rPr lang="en-US" sz="1700" b="0" dirty="0" err="1">
                 <a:effectLst/>
                 <a:latin typeface="Consolas" panose="020B0609020204030204" pitchFamily="49" charset="0"/>
               </a:rPr>
-              <a:t>ExPost period: 2021-08-01~2022-12-31</a:t>
+              <a:t>ExPost</a:t>
+            </a:r>
+            <a:r>
+              <a:rPr lang="en-US" sz="1700" b="0" dirty="0">
+                <a:effectLst/>
+                <a:latin typeface="Consolas" panose="020B0609020204030204" pitchFamily="49" charset="0"/>
+              </a:rPr>
+              <a:t> period: 2021-08-01~2022-12-31</a:t>
             </a:r>
           </a:p>
           <a:p>
-            <a:pPr algn="r"/>
-            <a:endParaRPr lang="en-US" sz="1700" b="0">
+            <a:endParaRPr lang="en-US" sz="1700" b="0" dirty="0">
               <a:effectLst/>
               <a:latin typeface="Consolas" panose="020B0609020204030204" pitchFamily="49" charset="0"/>
             </a:endParaRPr>
           </a:p>
           <a:p>
-            <a:pPr algn="r"/>
             <a:r>
-              <a:rPr lang="en-US" sz="1700"/>
+              <a:rPr lang="en-US" sz="1700" dirty="0"/>
               <a:t>The obvious price changes before and after the COVID event.</a:t>
             </a:r>
           </a:p>
           <a:p>
-            <a:pPr algn="r"/>
             <a:r>
-              <a:rPr lang="en-US" sz="1700"/>
+              <a:rPr lang="en-US" sz="1700" dirty="0"/>
               <a:t>In order to reduce the impact of price changes on house prices, the house prices are deflated by the inflation rate.</a:t>
             </a:r>
-            <a:endParaRPr lang="en-US" sz="1700">
+            <a:endParaRPr lang="en-US" sz="1700" dirty="0">
               <a:cs typeface="Calibri"/>
             </a:endParaRPr>
           </a:p>
@@ -36219,12 +36229,12 @@
           </a:lstStyle>
           <a:p>
             <a:r>
-              <a:rPr lang="en-US" sz="4000">
+              <a:rPr lang="en-US" sz="4000" dirty="0">
                 <a:cs typeface="Calibri Light"/>
               </a:rPr>
               <a:t>Covid impact</a:t>
             </a:r>
-            <a:endParaRPr lang="en-US" sz="4000"/>
+            <a:endParaRPr lang="en-US" sz="4000" dirty="0"/>
           </a:p>
         </p:txBody>
       </p:sp>
@@ -36246,166 +36256,32 @@
         </p:nvSpPr>
         <p:spPr>
           <a:xfrm>
-            <a:off x="191217" y="2833409"/>
-            <a:ext cx="4945715" cy="3455033"/>
+            <a:off x="297737" y="1830824"/>
+            <a:ext cx="4484269" cy="3455033"/>
           </a:xfrm>
         </p:spPr>
         <p:txBody>
-          <a:bodyPr vert="horz" lIns="91440" tIns="45720" rIns="91440" bIns="45720" rtlCol="0" anchor="t">
+          <a:bodyPr vert="horz" lIns="91440" tIns="45720" rIns="91440" bIns="45720" rtlCol="0">
             <a:normAutofit/>
           </a:bodyPr>
           <a:lstStyle/>
           <a:p>
-            <a:pPr>
+            <a:pPr marL="0" indent="0">
               <a:buNone/>
             </a:pPr>
             <a:r>
-              <a:rPr lang="en-US" sz="2000" dirty="0">
-                <a:ea typeface="+mn-lt"/>
-                <a:cs typeface="+mn-lt"/>
-              </a:rPr>
-              <a:t>In comparing the house price levels with Gross building area in square feet, the number of bedrooms, and the number of bathrooms, there seem to be different price levels between the three periods. </a:t>
+              <a:rPr lang="en-US" sz="2400" dirty="0"/>
+              <a:t>In comparing the house price levels with the number of bedrooms, and the number of bathrooms, the condition of house, there seem to be different price levels between the three periods. </a:t>
             </a:r>
-            <a:endParaRPr lang="en-US" dirty="0">
-              <a:cs typeface="Calibri" panose="020F0502020204030204"/>
-            </a:endParaRPr>
           </a:p>
           <a:p>
             <a:pPr marL="0" indent="0">
               <a:buNone/>
             </a:pPr>
-            <a:endParaRPr lang="en-US" sz="2000">
-              <a:cs typeface="Calibri"/>
-            </a:endParaRPr>
+            <a:endParaRPr lang="en-US" sz="2400" dirty="0"/>
           </a:p>
         </p:txBody>
       </p:sp>
-      <p:pic>
-        <p:nvPicPr>
-          <p:cNvPr id="5" name="Picture 4" descr="Chart, box and whisker chart&#10;&#10;Description automatically generated">
-            <a:extLst>
-              <a:ext uri="{FF2B5EF4-FFF2-40B4-BE49-F238E27FC236}">
-                <a16:creationId xmlns:a16="http://schemas.microsoft.com/office/drawing/2014/main" id="{988B20D7-FA6E-40B8-F7BE-AEA191631E87}"/>
-              </a:ext>
-            </a:extLst>
-          </p:cNvPr>
-          <p:cNvPicPr>
-            <a:picLocks noChangeAspect="1"/>
-          </p:cNvPicPr>
-          <p:nvPr/>
-        </p:nvPicPr>
-        <p:blipFill>
-          <a:blip r:embed="rId2">
-            <a:extLst>
-              <a:ext uri="{28A0092B-C50C-407E-A947-70E740481C1C}">
-                <a14:useLocalDpi xmlns:a14="http://schemas.microsoft.com/office/drawing/2010/main" val="0"/>
-              </a:ext>
-            </a:extLst>
-          </a:blip>
-          <a:stretch>
-            <a:fillRect/>
-          </a:stretch>
-        </p:blipFill>
-        <p:spPr>
-          <a:xfrm>
-            <a:off x="4927836" y="551547"/>
-            <a:ext cx="3723599" cy="2952548"/>
-          </a:xfrm>
-          <a:prstGeom prst="rect">
-            <a:avLst/>
-          </a:prstGeom>
-        </p:spPr>
-      </p:pic>
-      <p:pic>
-        <p:nvPicPr>
-          <p:cNvPr id="7" name="Picture 6" descr="Chart, scatter chart&#10;&#10;Description automatically generated">
-            <a:extLst>
-              <a:ext uri="{FF2B5EF4-FFF2-40B4-BE49-F238E27FC236}">
-                <a16:creationId xmlns:a16="http://schemas.microsoft.com/office/drawing/2014/main" id="{46F04867-A08D-F4C0-C19E-9D0C6AA56F85}"/>
-              </a:ext>
-            </a:extLst>
-          </p:cNvPr>
-          <p:cNvPicPr>
-            <a:picLocks noChangeAspect="1"/>
-          </p:cNvPicPr>
-          <p:nvPr/>
-        </p:nvPicPr>
-        <p:blipFill>
-          <a:blip r:embed="rId3"/>
-          <a:stretch>
-            <a:fillRect/>
-          </a:stretch>
-        </p:blipFill>
-        <p:spPr>
-          <a:xfrm>
-            <a:off x="8657431" y="433452"/>
-            <a:ext cx="3539667" cy="2794745"/>
-          </a:xfrm>
-          <a:prstGeom prst="rect">
-            <a:avLst/>
-          </a:prstGeom>
-        </p:spPr>
-      </p:pic>
-      <p:pic>
-        <p:nvPicPr>
-          <p:cNvPr id="13" name="Picture 12" descr="Chart, scatter chart&#10;&#10;Description automatically generated">
-            <a:extLst>
-              <a:ext uri="{FF2B5EF4-FFF2-40B4-BE49-F238E27FC236}">
-                <a16:creationId xmlns:a16="http://schemas.microsoft.com/office/drawing/2014/main" id="{A81DCBBB-BDE9-65BC-DA6C-46F90C5907B2}"/>
-              </a:ext>
-            </a:extLst>
-          </p:cNvPr>
-          <p:cNvPicPr>
-            <a:picLocks noChangeAspect="1"/>
-          </p:cNvPicPr>
-          <p:nvPr/>
-        </p:nvPicPr>
-        <p:blipFill>
-          <a:blip r:embed="rId4"/>
-          <a:stretch>
-            <a:fillRect/>
-          </a:stretch>
-        </p:blipFill>
-        <p:spPr>
-          <a:xfrm>
-            <a:off x="5138043" y="3422995"/>
-            <a:ext cx="3579081" cy="2768470"/>
-          </a:xfrm>
-          <a:prstGeom prst="rect">
-            <a:avLst/>
-          </a:prstGeom>
-        </p:spPr>
-      </p:pic>
-      <p:pic>
-        <p:nvPicPr>
-          <p:cNvPr id="10" name="Picture 9" descr="Chart, scatter chart&#10;&#10;Description automatically generated">
-            <a:extLst>
-              <a:ext uri="{FF2B5EF4-FFF2-40B4-BE49-F238E27FC236}">
-                <a16:creationId xmlns:a16="http://schemas.microsoft.com/office/drawing/2014/main" id="{5D9968FE-C844-53CD-41B5-62A86EF08AEE}"/>
-              </a:ext>
-            </a:extLst>
-          </p:cNvPr>
-          <p:cNvPicPr>
-            <a:picLocks noChangeAspect="1"/>
-          </p:cNvPicPr>
-          <p:nvPr/>
-        </p:nvPicPr>
-        <p:blipFill>
-          <a:blip r:embed="rId5"/>
-          <a:stretch>
-            <a:fillRect/>
-          </a:stretch>
-        </p:blipFill>
-        <p:spPr>
-          <a:xfrm>
-            <a:off x="8657429" y="3357308"/>
-            <a:ext cx="3539668" cy="2783263"/>
-          </a:xfrm>
-          <a:prstGeom prst="rect">
-            <a:avLst/>
-          </a:prstGeom>
-        </p:spPr>
-      </p:pic>
       <p:sp>
         <p:nvSpPr>
           <p:cNvPr id="52" name="Rectangle 51">
@@ -36552,6 +36428,132 @@
           </a:p>
         </p:txBody>
       </p:sp>
+      <p:pic>
+        <p:nvPicPr>
+          <p:cNvPr id="12" name="Picture 11">
+            <a:extLst>
+              <a:ext uri="{FF2B5EF4-FFF2-40B4-BE49-F238E27FC236}">
+                <a16:creationId xmlns:a16="http://schemas.microsoft.com/office/drawing/2014/main" id="{E5B9E7F2-27D4-7336-8AEE-5486BAF0BFF3}"/>
+              </a:ext>
+            </a:extLst>
+          </p:cNvPr>
+          <p:cNvPicPr>
+            <a:picLocks noChangeAspect="1"/>
+          </p:cNvPicPr>
+          <p:nvPr/>
+        </p:nvPicPr>
+        <p:blipFill>
+          <a:blip r:embed="rId2"/>
+          <a:stretch>
+            <a:fillRect/>
+          </a:stretch>
+        </p:blipFill>
+        <p:spPr>
+          <a:xfrm>
+            <a:off x="8285675" y="500540"/>
+            <a:ext cx="3749040" cy="2941058"/>
+          </a:xfrm>
+          <a:prstGeom prst="rect">
+            <a:avLst/>
+          </a:prstGeom>
+        </p:spPr>
+      </p:pic>
+      <p:pic>
+        <p:nvPicPr>
+          <p:cNvPr id="15" name="Picture 14">
+            <a:extLst>
+              <a:ext uri="{FF2B5EF4-FFF2-40B4-BE49-F238E27FC236}">
+                <a16:creationId xmlns:a16="http://schemas.microsoft.com/office/drawing/2014/main" id="{99BC667E-13CC-6F1A-A2F1-5154DFAF7577}"/>
+              </a:ext>
+            </a:extLst>
+          </p:cNvPr>
+          <p:cNvPicPr>
+            <a:picLocks noChangeAspect="1"/>
+          </p:cNvPicPr>
+          <p:nvPr/>
+        </p:nvPicPr>
+        <p:blipFill>
+          <a:blip r:embed="rId3"/>
+          <a:stretch>
+            <a:fillRect/>
+          </a:stretch>
+        </p:blipFill>
+        <p:spPr>
+          <a:xfrm>
+            <a:off x="8285159" y="3398938"/>
+            <a:ext cx="3749040" cy="2961481"/>
+          </a:xfrm>
+          <a:prstGeom prst="rect">
+            <a:avLst/>
+          </a:prstGeom>
+        </p:spPr>
+      </p:pic>
+      <p:pic>
+        <p:nvPicPr>
+          <p:cNvPr id="5" name="Picture 4" descr="Chart, box and whisker chart&#10;&#10;Description automatically generated">
+            <a:extLst>
+              <a:ext uri="{FF2B5EF4-FFF2-40B4-BE49-F238E27FC236}">
+                <a16:creationId xmlns:a16="http://schemas.microsoft.com/office/drawing/2014/main" id="{988B20D7-FA6E-40B8-F7BE-AEA191631E87}"/>
+              </a:ext>
+            </a:extLst>
+          </p:cNvPr>
+          <p:cNvPicPr>
+            <a:picLocks noChangeAspect="1"/>
+          </p:cNvPicPr>
+          <p:nvPr/>
+        </p:nvPicPr>
+        <p:blipFill>
+          <a:blip r:embed="rId4">
+            <a:extLst>
+              <a:ext uri="{28A0092B-C50C-407E-A947-70E740481C1C}">
+                <a14:useLocalDpi xmlns:a14="http://schemas.microsoft.com/office/drawing/2010/main" val="0"/>
+              </a:ext>
+            </a:extLst>
+          </a:blip>
+          <a:stretch>
+            <a:fillRect/>
+          </a:stretch>
+        </p:blipFill>
+        <p:spPr>
+          <a:xfrm>
+            <a:off x="4714475" y="490587"/>
+            <a:ext cx="3749040" cy="2972721"/>
+          </a:xfrm>
+          <a:prstGeom prst="rect">
+            <a:avLst/>
+          </a:prstGeom>
+        </p:spPr>
+      </p:pic>
+      <p:pic>
+        <p:nvPicPr>
+          <p:cNvPr id="8" name="Picture 7">
+            <a:extLst>
+              <a:ext uri="{FF2B5EF4-FFF2-40B4-BE49-F238E27FC236}">
+                <a16:creationId xmlns:a16="http://schemas.microsoft.com/office/drawing/2014/main" id="{E10DA4A9-737D-3F3C-9FFE-2E03FABD336A}"/>
+              </a:ext>
+            </a:extLst>
+          </p:cNvPr>
+          <p:cNvPicPr>
+            <a:picLocks noChangeAspect="1"/>
+          </p:cNvPicPr>
+          <p:nvPr/>
+        </p:nvPicPr>
+        <p:blipFill>
+          <a:blip r:embed="rId5"/>
+          <a:stretch>
+            <a:fillRect/>
+          </a:stretch>
+        </p:blipFill>
+        <p:spPr>
+          <a:xfrm>
+            <a:off x="4742384" y="3397573"/>
+            <a:ext cx="3749040" cy="2961481"/>
+          </a:xfrm>
+          <a:prstGeom prst="rect">
+            <a:avLst/>
+          </a:prstGeom>
+        </p:spPr>
+      </p:pic>
     </p:spTree>
     <p:extLst>
       <p:ext uri="{BB962C8B-B14F-4D97-AF65-F5344CB8AC3E}">
@@ -36827,8 +36829,8 @@
           <a:p>
             <a:pPr algn="l"/>
             <a:r>
-              <a:rPr lang="en-US"/>
-              <a:t>In comparing the house price levels with Gross building area in square feet, the number of bedrooms, and the number of bathrooms, there seem to be different sailing number between the three periods. </a:t>
+              <a:rPr lang="en-US" dirty="0"/>
+              <a:t>In comparing the house price levels with the number of bedrooms, and the number of bathrooms, the condition of house, there seem to be different sales volume between the three periods. </a:t>
             </a:r>
           </a:p>
         </p:txBody>
@@ -36892,10 +36894,10 @@
       </p:sp>
       <p:pic>
         <p:nvPicPr>
-          <p:cNvPr id="5" name="Picture 4">
+          <p:cNvPr id="4" name="Picture 3">
             <a:extLst>
               <a:ext uri="{FF2B5EF4-FFF2-40B4-BE49-F238E27FC236}">
-                <a16:creationId xmlns:a16="http://schemas.microsoft.com/office/drawing/2014/main" id="{EB7D6118-B8FB-68E9-024D-57A0658057B5}"/>
+                <a16:creationId xmlns:a16="http://schemas.microsoft.com/office/drawing/2014/main" id="{AF0A1A42-012E-D254-E2A0-77F77296C650}"/>
               </a:ext>
             </a:extLst>
           </p:cNvPr>
@@ -36912,8 +36914,8 @@
         </p:blipFill>
         <p:spPr>
           <a:xfrm>
-            <a:off x="4288897" y="701084"/>
-            <a:ext cx="3657600" cy="2950723"/>
+            <a:off x="4390450" y="748206"/>
+            <a:ext cx="3566160" cy="2876955"/>
           </a:xfrm>
           <a:prstGeom prst="rect">
             <a:avLst/>
@@ -36922,10 +36924,10 @@
       </p:pic>
       <p:pic>
         <p:nvPicPr>
-          <p:cNvPr id="7" name="Picture 6">
+          <p:cNvPr id="8" name="Picture 7">
             <a:extLst>
               <a:ext uri="{FF2B5EF4-FFF2-40B4-BE49-F238E27FC236}">
-                <a16:creationId xmlns:a16="http://schemas.microsoft.com/office/drawing/2014/main" id="{9D530FF7-C9E0-57A3-CB67-9623CCCF9BEB}"/>
+                <a16:creationId xmlns:a16="http://schemas.microsoft.com/office/drawing/2014/main" id="{48270B7E-25E3-45F0-0F64-2B1C55FC5BB0}"/>
               </a:ext>
             </a:extLst>
           </p:cNvPr>
@@ -36942,8 +36944,8 @@
         </p:blipFill>
         <p:spPr>
           <a:xfrm>
-            <a:off x="4272585" y="3663760"/>
-            <a:ext cx="3657600" cy="2950723"/>
+            <a:off x="8171920" y="703851"/>
+            <a:ext cx="3657600" cy="2869529"/>
           </a:xfrm>
           <a:prstGeom prst="rect">
             <a:avLst/>
@@ -36952,10 +36954,10 @@
       </p:pic>
       <p:pic>
         <p:nvPicPr>
-          <p:cNvPr id="10" name="Picture 9">
+          <p:cNvPr id="12" name="Picture 11">
             <a:extLst>
               <a:ext uri="{FF2B5EF4-FFF2-40B4-BE49-F238E27FC236}">
-                <a16:creationId xmlns:a16="http://schemas.microsoft.com/office/drawing/2014/main" id="{E9CCE414-3257-E3CC-CE53-1FD483CB6FDB}"/>
+                <a16:creationId xmlns:a16="http://schemas.microsoft.com/office/drawing/2014/main" id="{7078F28F-3BFE-EFB5-E571-0924F08E604A}"/>
               </a:ext>
             </a:extLst>
           </p:cNvPr>
@@ -36972,8 +36974,8 @@
         </p:blipFill>
         <p:spPr>
           <a:xfrm>
-            <a:off x="8107829" y="665595"/>
-            <a:ext cx="3657600" cy="2950723"/>
+            <a:off x="4434439" y="3622121"/>
+            <a:ext cx="3657600" cy="2900468"/>
           </a:xfrm>
           <a:prstGeom prst="rect">
             <a:avLst/>
@@ -36982,10 +36984,10 @@
       </p:pic>
       <p:pic>
         <p:nvPicPr>
-          <p:cNvPr id="13" name="Picture 12">
+          <p:cNvPr id="15" name="Picture 14">
             <a:extLst>
               <a:ext uri="{FF2B5EF4-FFF2-40B4-BE49-F238E27FC236}">
-                <a16:creationId xmlns:a16="http://schemas.microsoft.com/office/drawing/2014/main" id="{FC441580-5242-0AEC-96E3-4A97D987F5E1}"/>
+                <a16:creationId xmlns:a16="http://schemas.microsoft.com/office/drawing/2014/main" id="{BF9400AC-7800-6579-1F76-790D5F8142A0}"/>
               </a:ext>
             </a:extLst>
           </p:cNvPr>
@@ -37002,7 +37004,7 @@
         </p:blipFill>
         <p:spPr>
           <a:xfrm>
-            <a:off x="8119747" y="3599963"/>
+            <a:off x="8171920" y="3622121"/>
             <a:ext cx="3657600" cy="2950723"/>
           </a:xfrm>
           <a:prstGeom prst="rect">
@@ -38189,7 +38191,13 @@
             </a:extLst>
           </p:cNvPr>
           <p:cNvGraphicFramePr/>
-          <p:nvPr/>
+          <p:nvPr>
+            <p:extLst>
+              <p:ext uri="{D42A27DB-BD31-4B8C-83A1-F6EECF244321}">
+                <p14:modId xmlns:p14="http://schemas.microsoft.com/office/powerpoint/2010/main" val="1332535795"/>
+              </p:ext>
+            </p:extLst>
+          </p:nvPr>
         </p:nvGraphicFramePr>
         <p:xfrm>
           <a:off x="838200" y="1340167"/>
@@ -38651,8 +38659,8 @@
         </p:nvSpPr>
         <p:spPr>
           <a:xfrm>
-            <a:off x="8364801" y="2344261"/>
-            <a:ext cx="2425366" cy="1914370"/>
+            <a:off x="8571948" y="2421032"/>
+            <a:ext cx="3176959" cy="2015936"/>
           </a:xfrm>
           <a:prstGeom prst="rect">
             <a:avLst/>
@@ -38673,7 +38681,7 @@
               <a:buChar char="•"/>
             </a:pPr>
             <a:r>
-              <a:rPr lang="en-US" sz="1620" kern="1200">
+              <a:rPr lang="en-US" sz="2000" kern="1200" dirty="0">
                 <a:solidFill>
                   <a:srgbClr val="0070C0"/>
                 </a:solidFill>
@@ -38693,7 +38701,7 @@
               <a:buChar char="•"/>
             </a:pPr>
             <a:r>
-              <a:rPr lang="en-US" sz="1620" kern="1200">
+              <a:rPr lang="en-US" sz="2000" kern="1200" dirty="0">
                 <a:solidFill>
                   <a:srgbClr val="0070C0"/>
                 </a:solidFill>
@@ -38703,7 +38711,7 @@
               </a:rPr>
               <a:t>Compared Ex-ante period, whether during or after Covid, housing price increased.</a:t>
             </a:r>
-            <a:endParaRPr lang="en-US" sz="2000">
+            <a:endParaRPr lang="en-US" sz="2800" dirty="0">
               <a:solidFill>
                 <a:srgbClr val="0070C0"/>
               </a:solidFill>
@@ -38895,7 +38903,7 @@
         </p:nvSpPr>
         <p:spPr>
           <a:xfrm>
-            <a:off x="1133515" y="715379"/>
+            <a:off x="1133515" y="400419"/>
             <a:ext cx="10176151" cy="1097519"/>
           </a:xfrm>
           <a:prstGeom prst="rect">
@@ -38927,12 +38935,12 @@
           </a:lstStyle>
           <a:p>
             <a:r>
-              <a:rPr lang="en-US" sz="4000">
+              <a:rPr lang="en-US" sz="4000" dirty="0">
                 <a:cs typeface="Calibri Light"/>
               </a:rPr>
               <a:t>Covid impact</a:t>
             </a:r>
-            <a:endParaRPr lang="en-US" sz="4000"/>
+            <a:endParaRPr lang="en-US" sz="4000" dirty="0"/>
           </a:p>
         </p:txBody>
       </p:sp>
@@ -39084,10 +39092,10 @@
       </p:sp>
       <p:pic>
         <p:nvPicPr>
-          <p:cNvPr id="3" name="Picture 2">
+          <p:cNvPr id="4" name="Picture 3">
             <a:extLst>
               <a:ext uri="{FF2B5EF4-FFF2-40B4-BE49-F238E27FC236}">
-                <a16:creationId xmlns:a16="http://schemas.microsoft.com/office/drawing/2014/main" id="{768F156C-EC28-B4C3-F125-0945AA0F4A18}"/>
+                <a16:creationId xmlns:a16="http://schemas.microsoft.com/office/drawing/2014/main" id="{5263023C-B1FE-FB23-FB5D-FEE2D306AB67}"/>
               </a:ext>
             </a:extLst>
           </p:cNvPr>
@@ -39104,8 +39112,8 @@
         </p:blipFill>
         <p:spPr>
           <a:xfrm>
-            <a:off x="1883533" y="1908550"/>
-            <a:ext cx="7116330" cy="4114801"/>
+            <a:off x="1160629" y="1457161"/>
+            <a:ext cx="8412480" cy="4969702"/>
           </a:xfrm>
           <a:prstGeom prst="rect">
             <a:avLst/>
@@ -39126,8 +39134,8 @@
         </p:nvSpPr>
         <p:spPr>
           <a:xfrm>
-            <a:off x="1664468" y="4823753"/>
-            <a:ext cx="7335394" cy="395096"/>
+            <a:off x="1111424" y="4823753"/>
+            <a:ext cx="8524439" cy="577086"/>
           </a:xfrm>
           <a:prstGeom prst="roundRect">
             <a:avLst/>
@@ -39160,7 +39168,7 @@
           <a:lstStyle/>
           <a:p>
             <a:pPr algn="ctr"/>
-            <a:endParaRPr lang="en-US"/>
+            <a:endParaRPr lang="en-US" dirty="0"/>
           </a:p>
         </p:txBody>
       </p:sp>
@@ -39178,8 +39186,8 @@
         </p:nvSpPr>
         <p:spPr>
           <a:xfrm>
-            <a:off x="8259881" y="2162239"/>
-            <a:ext cx="2274985" cy="1806648"/>
+            <a:off x="8921074" y="1856523"/>
+            <a:ext cx="2824679" cy="1831271"/>
           </a:xfrm>
           <a:prstGeom prst="rect">
             <a:avLst/>
@@ -39200,7 +39208,7 @@
               <a:buChar char="•"/>
             </a:pPr>
             <a:r>
-              <a:rPr lang="en-US" sz="1520" kern="1200">
+              <a:rPr lang="en-US" kern="1200" dirty="0">
                 <a:solidFill>
                   <a:srgbClr val="0070C0"/>
                 </a:solidFill>
@@ -39208,7 +39216,7 @@
                 <a:ea typeface="+mn-ea"/>
                 <a:cs typeface="+mn-cs"/>
               </a:rPr>
-              <a:t>The period has positive impact on sailing number.</a:t>
+              <a:t>The period has positive impact on sales volume.</a:t>
             </a:r>
           </a:p>
           <a:p>
@@ -39220,7 +39228,7 @@
               <a:buChar char="•"/>
             </a:pPr>
             <a:r>
-              <a:rPr lang="en-US" sz="1520" kern="1200">
+              <a:rPr lang="en-US" kern="1200" dirty="0">
                 <a:solidFill>
                   <a:srgbClr val="0070C0"/>
                 </a:solidFill>
@@ -39228,9 +39236,9 @@
                 <a:ea typeface="+mn-ea"/>
                 <a:cs typeface="+mn-cs"/>
               </a:rPr>
-              <a:t>Compared Ex-ante period, whether during or after Covid, sailing number increased.</a:t>
+              <a:t>Compared Ex-ante period, whether during or after Covid, sales volume  increased.</a:t>
             </a:r>
-            <a:endParaRPr lang="en-US" sz="2000">
+            <a:endParaRPr lang="en-US" sz="2800" dirty="0">
               <a:solidFill>
                 <a:srgbClr val="0070C0"/>
               </a:solidFill>
@@ -41429,7 +41437,7 @@
           <a:lstStyle/>
           <a:p>
             <a:r>
-              <a:rPr lang="en-US" sz="4000" kern="1200">
+              <a:rPr lang="en-US" sz="4000" kern="1200" dirty="0">
                 <a:solidFill>
                   <a:srgbClr val="FFFFFF"/>
                 </a:solidFill>
@@ -45295,7 +45303,7 @@
           <a:lstStyle/>
           <a:p>
             <a:r>
-              <a:rPr lang="en-US" sz="3700" kern="1200">
+              <a:rPr lang="en-US" sz="3700" kern="1200" dirty="0">
                 <a:solidFill>
                   <a:srgbClr val="FFFFFF"/>
                 </a:solidFill>

--- a/Project - Team 2- Data Mining (3).pptx
+++ b/Project - Team 2- Data Mining (3).pptx
@@ -19199,7 +19199,7 @@
           <a:p>
             <a:fld id="{846CE7D5-CF57-46EF-B807-FDD0502418D4}" type="datetimeFigureOut">
               <a:rPr lang="en-US" smtClean="0"/>
-              <a:t>4/25/2023</a:t>
+              <a:t>4/30/2023</a:t>
             </a:fld>
             <a:endParaRPr lang="en-US"/>
           </a:p>
@@ -19367,7 +19367,7 @@
           <a:p>
             <a:fld id="{846CE7D5-CF57-46EF-B807-FDD0502418D4}" type="datetimeFigureOut">
               <a:rPr lang="en-US" smtClean="0"/>
-              <a:t>4/25/2023</a:t>
+              <a:t>4/30/2023</a:t>
             </a:fld>
             <a:endParaRPr lang="en-US"/>
           </a:p>
@@ -19545,7 +19545,7 @@
           <a:p>
             <a:fld id="{846CE7D5-CF57-46EF-B807-FDD0502418D4}" type="datetimeFigureOut">
               <a:rPr lang="en-US" smtClean="0"/>
-              <a:t>4/25/2023</a:t>
+              <a:t>4/30/2023</a:t>
             </a:fld>
             <a:endParaRPr lang="en-US"/>
           </a:p>
@@ -19753,7 +19753,7 @@
           <a:p>
             <a:fld id="{7E1FE81C-1244-4E0A-BBA5-54DD0B655DFC}" type="datetimeFigureOut">
               <a:rPr lang="en-US" smtClean="0"/>
-              <a:t>4/25/2023</a:t>
+              <a:t>4/30/2023</a:t>
             </a:fld>
             <a:endParaRPr lang="en-US"/>
           </a:p>
@@ -19951,7 +19951,7 @@
           <a:p>
             <a:fld id="{7E1FE81C-1244-4E0A-BBA5-54DD0B655DFC}" type="datetimeFigureOut">
               <a:rPr lang="en-US" smtClean="0"/>
-              <a:t>4/25/2023</a:t>
+              <a:t>4/30/2023</a:t>
             </a:fld>
             <a:endParaRPr lang="en-US"/>
           </a:p>
@@ -20226,7 +20226,7 @@
           <a:p>
             <a:fld id="{7E1FE81C-1244-4E0A-BBA5-54DD0B655DFC}" type="datetimeFigureOut">
               <a:rPr lang="en-US" smtClean="0"/>
-              <a:t>4/25/2023</a:t>
+              <a:t>4/30/2023</a:t>
             </a:fld>
             <a:endParaRPr lang="en-US"/>
           </a:p>
@@ -20491,7 +20491,7 @@
           <a:p>
             <a:fld id="{7E1FE81C-1244-4E0A-BBA5-54DD0B655DFC}" type="datetimeFigureOut">
               <a:rPr lang="en-US" smtClean="0"/>
-              <a:t>4/25/2023</a:t>
+              <a:t>4/30/2023</a:t>
             </a:fld>
             <a:endParaRPr lang="en-US"/>
           </a:p>
@@ -20903,7 +20903,7 @@
           <a:p>
             <a:fld id="{7E1FE81C-1244-4E0A-BBA5-54DD0B655DFC}" type="datetimeFigureOut">
               <a:rPr lang="en-US" smtClean="0"/>
-              <a:t>4/25/2023</a:t>
+              <a:t>4/30/2023</a:t>
             </a:fld>
             <a:endParaRPr lang="en-US"/>
           </a:p>
@@ -21044,7 +21044,7 @@
           <a:p>
             <a:fld id="{7E1FE81C-1244-4E0A-BBA5-54DD0B655DFC}" type="datetimeFigureOut">
               <a:rPr lang="en-US" smtClean="0"/>
-              <a:t>4/25/2023</a:t>
+              <a:t>4/30/2023</a:t>
             </a:fld>
             <a:endParaRPr lang="en-US"/>
           </a:p>
@@ -21157,7 +21157,7 @@
           <a:p>
             <a:fld id="{7E1FE81C-1244-4E0A-BBA5-54DD0B655DFC}" type="datetimeFigureOut">
               <a:rPr lang="en-US" smtClean="0"/>
-              <a:t>4/25/2023</a:t>
+              <a:t>4/30/2023</a:t>
             </a:fld>
             <a:endParaRPr lang="en-US"/>
           </a:p>
@@ -21468,7 +21468,7 @@
           <a:p>
             <a:fld id="{7E1FE81C-1244-4E0A-BBA5-54DD0B655DFC}" type="datetimeFigureOut">
               <a:rPr lang="en-US" smtClean="0"/>
-              <a:t>4/25/2023</a:t>
+              <a:t>4/30/2023</a:t>
             </a:fld>
             <a:endParaRPr lang="en-US"/>
           </a:p>
@@ -21648,7 +21648,7 @@
           <a:p>
             <a:fld id="{846CE7D5-CF57-46EF-B807-FDD0502418D4}" type="datetimeFigureOut">
               <a:rPr lang="en-US" smtClean="0"/>
-              <a:t>4/25/2023</a:t>
+              <a:t>4/30/2023</a:t>
             </a:fld>
             <a:endParaRPr lang="en-US"/>
           </a:p>
@@ -21924,7 +21924,7 @@
           <a:p>
             <a:fld id="{7E1FE81C-1244-4E0A-BBA5-54DD0B655DFC}" type="datetimeFigureOut">
               <a:rPr lang="en-US" smtClean="0"/>
-              <a:t>4/25/2023</a:t>
+              <a:t>4/30/2023</a:t>
             </a:fld>
             <a:endParaRPr lang="en-US"/>
           </a:p>
@@ -22122,7 +22122,7 @@
           <a:p>
             <a:fld id="{7E1FE81C-1244-4E0A-BBA5-54DD0B655DFC}" type="datetimeFigureOut">
               <a:rPr lang="en-US" smtClean="0"/>
-              <a:t>4/25/2023</a:t>
+              <a:t>4/30/2023</a:t>
             </a:fld>
             <a:endParaRPr lang="en-US"/>
           </a:p>
@@ -22330,7 +22330,7 @@
           <a:p>
             <a:fld id="{7E1FE81C-1244-4E0A-BBA5-54DD0B655DFC}" type="datetimeFigureOut">
               <a:rPr lang="en-US" smtClean="0"/>
-              <a:t>4/25/2023</a:t>
+              <a:t>4/30/2023</a:t>
             </a:fld>
             <a:endParaRPr lang="en-US"/>
           </a:p>
@@ -22587,7 +22587,7 @@
           <a:p>
             <a:fld id="{846CE7D5-CF57-46EF-B807-FDD0502418D4}" type="datetimeFigureOut">
               <a:rPr lang="en-US" smtClean="0"/>
-              <a:t>4/25/2023</a:t>
+              <a:t>4/30/2023</a:t>
             </a:fld>
             <a:endParaRPr lang="en-US"/>
           </a:p>
@@ -22816,7 +22816,7 @@
           <a:p>
             <a:fld id="{846CE7D5-CF57-46EF-B807-FDD0502418D4}" type="datetimeFigureOut">
               <a:rPr lang="en-US" smtClean="0"/>
-              <a:t>4/25/2023</a:t>
+              <a:t>4/30/2023</a:t>
             </a:fld>
             <a:endParaRPr lang="en-US"/>
           </a:p>
@@ -23180,7 +23180,7 @@
           <a:p>
             <a:fld id="{846CE7D5-CF57-46EF-B807-FDD0502418D4}" type="datetimeFigureOut">
               <a:rPr lang="en-US" smtClean="0"/>
-              <a:t>4/25/2023</a:t>
+              <a:t>4/30/2023</a:t>
             </a:fld>
             <a:endParaRPr lang="en-US"/>
           </a:p>
@@ -23297,7 +23297,7 @@
           <a:p>
             <a:fld id="{846CE7D5-CF57-46EF-B807-FDD0502418D4}" type="datetimeFigureOut">
               <a:rPr lang="en-US" smtClean="0"/>
-              <a:t>4/25/2023</a:t>
+              <a:t>4/30/2023</a:t>
             </a:fld>
             <a:endParaRPr lang="en-US"/>
           </a:p>
@@ -23392,7 +23392,7 @@
           <a:p>
             <a:fld id="{846CE7D5-CF57-46EF-B807-FDD0502418D4}" type="datetimeFigureOut">
               <a:rPr lang="en-US" smtClean="0"/>
-              <a:t>4/25/2023</a:t>
+              <a:t>4/30/2023</a:t>
             </a:fld>
             <a:endParaRPr lang="en-US"/>
           </a:p>
@@ -23667,7 +23667,7 @@
           <a:p>
             <a:fld id="{846CE7D5-CF57-46EF-B807-FDD0502418D4}" type="datetimeFigureOut">
               <a:rPr lang="en-US" smtClean="0"/>
-              <a:t>4/25/2023</a:t>
+              <a:t>4/30/2023</a:t>
             </a:fld>
             <a:endParaRPr lang="en-US"/>
           </a:p>
@@ -23922,7 +23922,7 @@
           <a:p>
             <a:fld id="{846CE7D5-CF57-46EF-B807-FDD0502418D4}" type="datetimeFigureOut">
               <a:rPr lang="en-US" smtClean="0"/>
-              <a:t>4/25/2023</a:t>
+              <a:t>4/30/2023</a:t>
             </a:fld>
             <a:endParaRPr lang="en-US"/>
           </a:p>
@@ -24133,7 +24133,7 @@
           <a:p>
             <a:fld id="{846CE7D5-CF57-46EF-B807-FDD0502418D4}" type="datetimeFigureOut">
               <a:rPr lang="en-US" smtClean="0"/>
-              <a:t>4/25/2023</a:t>
+              <a:t>4/30/2023</a:t>
             </a:fld>
             <a:endParaRPr lang="en-US"/>
           </a:p>
@@ -24689,7 +24689,7 @@
           <a:p>
             <a:fld id="{7E1FE81C-1244-4E0A-BBA5-54DD0B655DFC}" type="datetimeFigureOut">
               <a:rPr lang="en-US" smtClean="0"/>
-              <a:t>4/25/2023</a:t>
+              <a:t>4/30/2023</a:t>
             </a:fld>
             <a:endParaRPr lang="en-US"/>
           </a:p>
@@ -38617,10 +38617,10 @@
       </p:sp>
       <p:pic>
         <p:nvPicPr>
-          <p:cNvPr id="8" name="Picture 7">
+          <p:cNvPr id="3" name="Picture 2">
             <a:extLst>
               <a:ext uri="{FF2B5EF4-FFF2-40B4-BE49-F238E27FC236}">
-                <a16:creationId xmlns:a16="http://schemas.microsoft.com/office/drawing/2014/main" id="{C22AC014-DFF6-7DB6-1F01-E4EFE6E67445}"/>
+                <a16:creationId xmlns:a16="http://schemas.microsoft.com/office/drawing/2014/main" id="{51742194-D868-5116-0486-B6DFEA5575DA}"/>
               </a:ext>
             </a:extLst>
           </p:cNvPr>
@@ -38637,8 +38637,8 @@
         </p:blipFill>
         <p:spPr>
           <a:xfrm>
-            <a:off x="1576876" y="2112579"/>
-            <a:ext cx="7628668" cy="4192805"/>
+            <a:off x="740702" y="1704751"/>
+            <a:ext cx="8581073" cy="5023961"/>
           </a:xfrm>
           <a:prstGeom prst="rect">
             <a:avLst/>
@@ -38659,7 +38659,7 @@
         </p:nvSpPr>
         <p:spPr>
           <a:xfrm>
-            <a:off x="8571948" y="2421032"/>
+            <a:off x="8571948" y="2136321"/>
             <a:ext cx="3176959" cy="2015936"/>
           </a:xfrm>
           <a:prstGeom prst="rect">
@@ -38733,8 +38733,8 @@
         </p:nvSpPr>
         <p:spPr>
           <a:xfrm>
-            <a:off x="1425774" y="5256326"/>
-            <a:ext cx="7896001" cy="410685"/>
+            <a:off x="740701" y="5153249"/>
+            <a:ext cx="8748739" cy="410685"/>
           </a:xfrm>
           <a:prstGeom prst="roundRect">
             <a:avLst/>
